--- a/ppt 16-9/0885.主爱把我们紧相.pptx
+++ b/ppt 16-9/0885.主爱把我们紧相.pptx
@@ -5,7 +5,7 @@
     <p:sldMasterId id="2147483648" r:id="rId1"/>
   </p:sldMasterIdLst>
   <p:sldIdLst>
-    <p:sldId id="2199" r:id="rId2"/>
+    <p:sldId id="2201" r:id="rId2"/>
   </p:sldIdLst>
   <p:sldSz cx="12192000" cy="6858000"/>
   <p:notesSz cx="6858000" cy="9144000"/>
@@ -129,7 +129,7 @@
           <p:cNvPr id="2" name="标题 1">
             <a:extLst>
               <a:ext uri="{FF2B5EF4-FFF2-40B4-BE49-F238E27FC236}">
-                <a16:creationId xmlns:a16="http://schemas.microsoft.com/office/drawing/2014/main" id="{592961DA-63AF-E314-46E8-8BE3185F70FF}"/>
+                <a16:creationId xmlns:a16="http://schemas.microsoft.com/office/drawing/2014/main" id="{8AA39EA7-FAC9-408F-B24B-C0F22FE4F45A}"/>
               </a:ext>
             </a:extLst>
           </p:cNvPr>
@@ -166,7 +166,7 @@
           <p:cNvPr id="3" name="副标题 2">
             <a:extLst>
               <a:ext uri="{FF2B5EF4-FFF2-40B4-BE49-F238E27FC236}">
-                <a16:creationId xmlns:a16="http://schemas.microsoft.com/office/drawing/2014/main" id="{81F31302-D504-B3A8-9509-E90C7D6AAD4C}"/>
+                <a16:creationId xmlns:a16="http://schemas.microsoft.com/office/drawing/2014/main" id="{372B97B2-4A2D-90CB-CC03-EC185AB26575}"/>
               </a:ext>
             </a:extLst>
           </p:cNvPr>
@@ -236,7 +236,7 @@
           <p:cNvPr id="4" name="日期占位符 3">
             <a:extLst>
               <a:ext uri="{FF2B5EF4-FFF2-40B4-BE49-F238E27FC236}">
-                <a16:creationId xmlns:a16="http://schemas.microsoft.com/office/drawing/2014/main" id="{98AAF627-DA1F-BC78-E892-7ED51BD6F4A8}"/>
+                <a16:creationId xmlns:a16="http://schemas.microsoft.com/office/drawing/2014/main" id="{0595279E-F098-5A98-C2F7-FF418FCFC0B3}"/>
               </a:ext>
             </a:extLst>
           </p:cNvPr>
@@ -252,7 +252,7 @@
           <a:bodyPr/>
           <a:lstStyle/>
           <a:p>
-            <a:fld id="{52C3D8F4-45A5-44D9-BFFE-F6E3B931A55D}" type="datetimeFigureOut">
+            <a:fld id="{7D78CAB6-4C31-4762-8AB1-58B791739B6F}" type="datetimeFigureOut">
               <a:rPr lang="zh-CN" altLang="en-US" smtClean="0"/>
               <a:t>2024/3/10</a:t>
             </a:fld>
@@ -265,7 +265,7 @@
           <p:cNvPr id="5" name="页脚占位符 4">
             <a:extLst>
               <a:ext uri="{FF2B5EF4-FFF2-40B4-BE49-F238E27FC236}">
-                <a16:creationId xmlns:a16="http://schemas.microsoft.com/office/drawing/2014/main" id="{8B955189-958D-C765-AB7D-DB6CC31FD56D}"/>
+                <a16:creationId xmlns:a16="http://schemas.microsoft.com/office/drawing/2014/main" id="{0E757D42-AACF-2996-A730-2D86A6703BD7}"/>
               </a:ext>
             </a:extLst>
           </p:cNvPr>
@@ -290,7 +290,7 @@
           <p:cNvPr id="6" name="灯片编号占位符 5">
             <a:extLst>
               <a:ext uri="{FF2B5EF4-FFF2-40B4-BE49-F238E27FC236}">
-                <a16:creationId xmlns:a16="http://schemas.microsoft.com/office/drawing/2014/main" id="{A9C68EC7-A114-DB1D-B992-84A471B40A01}"/>
+                <a16:creationId xmlns:a16="http://schemas.microsoft.com/office/drawing/2014/main" id="{5C24F482-C4A8-51CE-8EB7-37F214AC3063}"/>
               </a:ext>
             </a:extLst>
           </p:cNvPr>
@@ -306,7 +306,7 @@
           <a:bodyPr/>
           <a:lstStyle/>
           <a:p>
-            <a:fld id="{3C972DEA-8A1E-4794-B006-C951C38B9181}" type="slidenum">
+            <a:fld id="{B96FC7E1-2CA7-4C2F-BC54-1EEB73054C58}" type="slidenum">
               <a:rPr lang="zh-CN" altLang="en-US" smtClean="0"/>
               <a:t>‹#›</a:t>
             </a:fld>
@@ -317,7 +317,7 @@
     </p:spTree>
     <p:extLst>
       <p:ext uri="{BB962C8B-B14F-4D97-AF65-F5344CB8AC3E}">
-        <p14:creationId xmlns:p14="http://schemas.microsoft.com/office/powerpoint/2010/main" val="3790623182"/>
+        <p14:creationId xmlns:p14="http://schemas.microsoft.com/office/powerpoint/2010/main" val="1123018833"/>
       </p:ext>
     </p:extLst>
   </p:cSld>
@@ -349,7 +349,7 @@
           <p:cNvPr id="2" name="标题 1">
             <a:extLst>
               <a:ext uri="{FF2B5EF4-FFF2-40B4-BE49-F238E27FC236}">
-                <a16:creationId xmlns:a16="http://schemas.microsoft.com/office/drawing/2014/main" id="{026D9D34-8E2C-61BA-4230-379CC101484C}"/>
+                <a16:creationId xmlns:a16="http://schemas.microsoft.com/office/drawing/2014/main" id="{FC4F0BCD-7F82-EE6F-BE76-6AB556B0B3D1}"/>
               </a:ext>
             </a:extLst>
           </p:cNvPr>
@@ -377,7 +377,7 @@
           <p:cNvPr id="3" name="竖排文字占位符 2">
             <a:extLst>
               <a:ext uri="{FF2B5EF4-FFF2-40B4-BE49-F238E27FC236}">
-                <a16:creationId xmlns:a16="http://schemas.microsoft.com/office/drawing/2014/main" id="{EACD84BF-0A0F-C0B2-FBB9-46BD9F208F70}"/>
+                <a16:creationId xmlns:a16="http://schemas.microsoft.com/office/drawing/2014/main" id="{F4479CA2-7CFB-1D06-9C05-CD1FB98DF4CB}"/>
               </a:ext>
             </a:extLst>
           </p:cNvPr>
@@ -434,7 +434,7 @@
           <p:cNvPr id="4" name="日期占位符 3">
             <a:extLst>
               <a:ext uri="{FF2B5EF4-FFF2-40B4-BE49-F238E27FC236}">
-                <a16:creationId xmlns:a16="http://schemas.microsoft.com/office/drawing/2014/main" id="{13D7F635-07AD-4802-3695-B658F7094D36}"/>
+                <a16:creationId xmlns:a16="http://schemas.microsoft.com/office/drawing/2014/main" id="{53CF7D0E-C913-91B5-9B28-CF21633BA49B}"/>
               </a:ext>
             </a:extLst>
           </p:cNvPr>
@@ -450,7 +450,7 @@
           <a:bodyPr/>
           <a:lstStyle/>
           <a:p>
-            <a:fld id="{52C3D8F4-45A5-44D9-BFFE-F6E3B931A55D}" type="datetimeFigureOut">
+            <a:fld id="{7D78CAB6-4C31-4762-8AB1-58B791739B6F}" type="datetimeFigureOut">
               <a:rPr lang="zh-CN" altLang="en-US" smtClean="0"/>
               <a:t>2024/3/10</a:t>
             </a:fld>
@@ -463,7 +463,7 @@
           <p:cNvPr id="5" name="页脚占位符 4">
             <a:extLst>
               <a:ext uri="{FF2B5EF4-FFF2-40B4-BE49-F238E27FC236}">
-                <a16:creationId xmlns:a16="http://schemas.microsoft.com/office/drawing/2014/main" id="{05274177-1559-B4BE-E780-1893B365A375}"/>
+                <a16:creationId xmlns:a16="http://schemas.microsoft.com/office/drawing/2014/main" id="{CC91B8DF-71E9-C18F-32C4-924880689D80}"/>
               </a:ext>
             </a:extLst>
           </p:cNvPr>
@@ -488,7 +488,7 @@
           <p:cNvPr id="6" name="灯片编号占位符 5">
             <a:extLst>
               <a:ext uri="{FF2B5EF4-FFF2-40B4-BE49-F238E27FC236}">
-                <a16:creationId xmlns:a16="http://schemas.microsoft.com/office/drawing/2014/main" id="{109B5B4C-99B4-425A-FF02-4997848A6789}"/>
+                <a16:creationId xmlns:a16="http://schemas.microsoft.com/office/drawing/2014/main" id="{54BECB00-1DE1-C690-BB4B-D781394E7F9F}"/>
               </a:ext>
             </a:extLst>
           </p:cNvPr>
@@ -504,7 +504,7 @@
           <a:bodyPr/>
           <a:lstStyle/>
           <a:p>
-            <a:fld id="{3C972DEA-8A1E-4794-B006-C951C38B9181}" type="slidenum">
+            <a:fld id="{B96FC7E1-2CA7-4C2F-BC54-1EEB73054C58}" type="slidenum">
               <a:rPr lang="zh-CN" altLang="en-US" smtClean="0"/>
               <a:t>‹#›</a:t>
             </a:fld>
@@ -515,7 +515,7 @@
     </p:spTree>
     <p:extLst>
       <p:ext uri="{BB962C8B-B14F-4D97-AF65-F5344CB8AC3E}">
-        <p14:creationId xmlns:p14="http://schemas.microsoft.com/office/powerpoint/2010/main" val="612392355"/>
+        <p14:creationId xmlns:p14="http://schemas.microsoft.com/office/powerpoint/2010/main" val="2387774428"/>
       </p:ext>
     </p:extLst>
   </p:cSld>
@@ -547,7 +547,7 @@
           <p:cNvPr id="2" name="竖排标题 1">
             <a:extLst>
               <a:ext uri="{FF2B5EF4-FFF2-40B4-BE49-F238E27FC236}">
-                <a16:creationId xmlns:a16="http://schemas.microsoft.com/office/drawing/2014/main" id="{C58F099F-F743-39E3-68F4-B5E771FE5F55}"/>
+                <a16:creationId xmlns:a16="http://schemas.microsoft.com/office/drawing/2014/main" id="{17D50160-7398-8C79-FD81-06B63610272D}"/>
               </a:ext>
             </a:extLst>
           </p:cNvPr>
@@ -580,7 +580,7 @@
           <p:cNvPr id="3" name="竖排文字占位符 2">
             <a:extLst>
               <a:ext uri="{FF2B5EF4-FFF2-40B4-BE49-F238E27FC236}">
-                <a16:creationId xmlns:a16="http://schemas.microsoft.com/office/drawing/2014/main" id="{CCC7D05F-9103-8BC9-4746-9139A94C58FB}"/>
+                <a16:creationId xmlns:a16="http://schemas.microsoft.com/office/drawing/2014/main" id="{6F8BB18A-8748-39FB-1807-5CDB6056D527}"/>
               </a:ext>
             </a:extLst>
           </p:cNvPr>
@@ -642,7 +642,7 @@
           <p:cNvPr id="4" name="日期占位符 3">
             <a:extLst>
               <a:ext uri="{FF2B5EF4-FFF2-40B4-BE49-F238E27FC236}">
-                <a16:creationId xmlns:a16="http://schemas.microsoft.com/office/drawing/2014/main" id="{4DAF8FEC-BAF1-5842-57D9-150ADD7FF11B}"/>
+                <a16:creationId xmlns:a16="http://schemas.microsoft.com/office/drawing/2014/main" id="{F57F9F3A-F234-3714-7216-D6DBF33DA0F2}"/>
               </a:ext>
             </a:extLst>
           </p:cNvPr>
@@ -658,7 +658,7 @@
           <a:bodyPr/>
           <a:lstStyle/>
           <a:p>
-            <a:fld id="{52C3D8F4-45A5-44D9-BFFE-F6E3B931A55D}" type="datetimeFigureOut">
+            <a:fld id="{7D78CAB6-4C31-4762-8AB1-58B791739B6F}" type="datetimeFigureOut">
               <a:rPr lang="zh-CN" altLang="en-US" smtClean="0"/>
               <a:t>2024/3/10</a:t>
             </a:fld>
@@ -671,7 +671,7 @@
           <p:cNvPr id="5" name="页脚占位符 4">
             <a:extLst>
               <a:ext uri="{FF2B5EF4-FFF2-40B4-BE49-F238E27FC236}">
-                <a16:creationId xmlns:a16="http://schemas.microsoft.com/office/drawing/2014/main" id="{4E3FA250-0249-6525-389E-FA6A1C3B48F8}"/>
+                <a16:creationId xmlns:a16="http://schemas.microsoft.com/office/drawing/2014/main" id="{3FE3C42C-DEFE-B943-19A8-76AAD2C8DEC1}"/>
               </a:ext>
             </a:extLst>
           </p:cNvPr>
@@ -696,7 +696,7 @@
           <p:cNvPr id="6" name="灯片编号占位符 5">
             <a:extLst>
               <a:ext uri="{FF2B5EF4-FFF2-40B4-BE49-F238E27FC236}">
-                <a16:creationId xmlns:a16="http://schemas.microsoft.com/office/drawing/2014/main" id="{4544F41D-62F4-BBD3-BB23-92D42833652E}"/>
+                <a16:creationId xmlns:a16="http://schemas.microsoft.com/office/drawing/2014/main" id="{D9472A47-C65E-3004-4DF1-866667F40878}"/>
               </a:ext>
             </a:extLst>
           </p:cNvPr>
@@ -712,7 +712,7 @@
           <a:bodyPr/>
           <a:lstStyle/>
           <a:p>
-            <a:fld id="{3C972DEA-8A1E-4794-B006-C951C38B9181}" type="slidenum">
+            <a:fld id="{B96FC7E1-2CA7-4C2F-BC54-1EEB73054C58}" type="slidenum">
               <a:rPr lang="zh-CN" altLang="en-US" smtClean="0"/>
               <a:t>‹#›</a:t>
             </a:fld>
@@ -723,7 +723,7 @@
     </p:spTree>
     <p:extLst>
       <p:ext uri="{BB962C8B-B14F-4D97-AF65-F5344CB8AC3E}">
-        <p14:creationId xmlns:p14="http://schemas.microsoft.com/office/powerpoint/2010/main" val="2599082627"/>
+        <p14:creationId xmlns:p14="http://schemas.microsoft.com/office/powerpoint/2010/main" val="2334224600"/>
       </p:ext>
     </p:extLst>
   </p:cSld>
@@ -755,7 +755,7 @@
           <p:cNvPr id="2" name="标题 1">
             <a:extLst>
               <a:ext uri="{FF2B5EF4-FFF2-40B4-BE49-F238E27FC236}">
-                <a16:creationId xmlns:a16="http://schemas.microsoft.com/office/drawing/2014/main" id="{564BF5B0-4867-807C-EF2E-3D1E165C97A7}"/>
+                <a16:creationId xmlns:a16="http://schemas.microsoft.com/office/drawing/2014/main" id="{A7E41F25-6AFB-4D1A-878F-9C8A441156BE}"/>
               </a:ext>
             </a:extLst>
           </p:cNvPr>
@@ -783,7 +783,7 @@
           <p:cNvPr id="3" name="内容占位符 2">
             <a:extLst>
               <a:ext uri="{FF2B5EF4-FFF2-40B4-BE49-F238E27FC236}">
-                <a16:creationId xmlns:a16="http://schemas.microsoft.com/office/drawing/2014/main" id="{B025C8AC-B64E-7848-F429-5A21F14C8F03}"/>
+                <a16:creationId xmlns:a16="http://schemas.microsoft.com/office/drawing/2014/main" id="{18D4F7D5-2E57-C155-4672-9C5AFDAD5975}"/>
               </a:ext>
             </a:extLst>
           </p:cNvPr>
@@ -840,7 +840,7 @@
           <p:cNvPr id="4" name="日期占位符 3">
             <a:extLst>
               <a:ext uri="{FF2B5EF4-FFF2-40B4-BE49-F238E27FC236}">
-                <a16:creationId xmlns:a16="http://schemas.microsoft.com/office/drawing/2014/main" id="{41EE4DFC-F89F-7E94-DDB4-EA04C122F911}"/>
+                <a16:creationId xmlns:a16="http://schemas.microsoft.com/office/drawing/2014/main" id="{CE5FF786-35C3-E47A-7BD3-6FF714E13BCD}"/>
               </a:ext>
             </a:extLst>
           </p:cNvPr>
@@ -856,7 +856,7 @@
           <a:bodyPr/>
           <a:lstStyle/>
           <a:p>
-            <a:fld id="{52C3D8F4-45A5-44D9-BFFE-F6E3B931A55D}" type="datetimeFigureOut">
+            <a:fld id="{7D78CAB6-4C31-4762-8AB1-58B791739B6F}" type="datetimeFigureOut">
               <a:rPr lang="zh-CN" altLang="en-US" smtClean="0"/>
               <a:t>2024/3/10</a:t>
             </a:fld>
@@ -869,7 +869,7 @@
           <p:cNvPr id="5" name="页脚占位符 4">
             <a:extLst>
               <a:ext uri="{FF2B5EF4-FFF2-40B4-BE49-F238E27FC236}">
-                <a16:creationId xmlns:a16="http://schemas.microsoft.com/office/drawing/2014/main" id="{7DE60FD9-DD1C-3DF1-9AAA-1B1061338073}"/>
+                <a16:creationId xmlns:a16="http://schemas.microsoft.com/office/drawing/2014/main" id="{9B817D7A-EA4A-18BF-3603-61DF7B29D192}"/>
               </a:ext>
             </a:extLst>
           </p:cNvPr>
@@ -894,7 +894,7 @@
           <p:cNvPr id="6" name="灯片编号占位符 5">
             <a:extLst>
               <a:ext uri="{FF2B5EF4-FFF2-40B4-BE49-F238E27FC236}">
-                <a16:creationId xmlns:a16="http://schemas.microsoft.com/office/drawing/2014/main" id="{0E76B097-94AE-EB91-DDA1-C9F5DFC6CC8C}"/>
+                <a16:creationId xmlns:a16="http://schemas.microsoft.com/office/drawing/2014/main" id="{8350E714-7141-422C-80C6-AD88D9AFB187}"/>
               </a:ext>
             </a:extLst>
           </p:cNvPr>
@@ -910,7 +910,7 @@
           <a:bodyPr/>
           <a:lstStyle/>
           <a:p>
-            <a:fld id="{3C972DEA-8A1E-4794-B006-C951C38B9181}" type="slidenum">
+            <a:fld id="{B96FC7E1-2CA7-4C2F-BC54-1EEB73054C58}" type="slidenum">
               <a:rPr lang="zh-CN" altLang="en-US" smtClean="0"/>
               <a:t>‹#›</a:t>
             </a:fld>
@@ -921,7 +921,7 @@
     </p:spTree>
     <p:extLst>
       <p:ext uri="{BB962C8B-B14F-4D97-AF65-F5344CB8AC3E}">
-        <p14:creationId xmlns:p14="http://schemas.microsoft.com/office/powerpoint/2010/main" val="243017909"/>
+        <p14:creationId xmlns:p14="http://schemas.microsoft.com/office/powerpoint/2010/main" val="499675692"/>
       </p:ext>
     </p:extLst>
   </p:cSld>
@@ -953,7 +953,7 @@
           <p:cNvPr id="2" name="标题 1">
             <a:extLst>
               <a:ext uri="{FF2B5EF4-FFF2-40B4-BE49-F238E27FC236}">
-                <a16:creationId xmlns:a16="http://schemas.microsoft.com/office/drawing/2014/main" id="{321F58AB-31A5-37FD-87F9-08E04E6569FF}"/>
+                <a16:creationId xmlns:a16="http://schemas.microsoft.com/office/drawing/2014/main" id="{B03B170A-D818-71E8-15FA-E6AAE9E3B868}"/>
               </a:ext>
             </a:extLst>
           </p:cNvPr>
@@ -990,7 +990,7 @@
           <p:cNvPr id="3" name="文本占位符 2">
             <a:extLst>
               <a:ext uri="{FF2B5EF4-FFF2-40B4-BE49-F238E27FC236}">
-                <a16:creationId xmlns:a16="http://schemas.microsoft.com/office/drawing/2014/main" id="{1E719854-12B1-D84C-FD0D-CE456955A214}"/>
+                <a16:creationId xmlns:a16="http://schemas.microsoft.com/office/drawing/2014/main" id="{835F91B3-D2A2-FA63-B764-2158F99F5C3F}"/>
               </a:ext>
             </a:extLst>
           </p:cNvPr>
@@ -1115,7 +1115,7 @@
           <p:cNvPr id="4" name="日期占位符 3">
             <a:extLst>
               <a:ext uri="{FF2B5EF4-FFF2-40B4-BE49-F238E27FC236}">
-                <a16:creationId xmlns:a16="http://schemas.microsoft.com/office/drawing/2014/main" id="{ED2BC62C-E46F-5A2C-B74F-9D40A1FE4472}"/>
+                <a16:creationId xmlns:a16="http://schemas.microsoft.com/office/drawing/2014/main" id="{8F7948FE-4374-DF34-A7E1-22EC94E60C3D}"/>
               </a:ext>
             </a:extLst>
           </p:cNvPr>
@@ -1131,7 +1131,7 @@
           <a:bodyPr/>
           <a:lstStyle/>
           <a:p>
-            <a:fld id="{52C3D8F4-45A5-44D9-BFFE-F6E3B931A55D}" type="datetimeFigureOut">
+            <a:fld id="{7D78CAB6-4C31-4762-8AB1-58B791739B6F}" type="datetimeFigureOut">
               <a:rPr lang="zh-CN" altLang="en-US" smtClean="0"/>
               <a:t>2024/3/10</a:t>
             </a:fld>
@@ -1144,7 +1144,7 @@
           <p:cNvPr id="5" name="页脚占位符 4">
             <a:extLst>
               <a:ext uri="{FF2B5EF4-FFF2-40B4-BE49-F238E27FC236}">
-                <a16:creationId xmlns:a16="http://schemas.microsoft.com/office/drawing/2014/main" id="{4D296485-3615-F164-CA2A-497E7D2605ED}"/>
+                <a16:creationId xmlns:a16="http://schemas.microsoft.com/office/drawing/2014/main" id="{4CD00416-7E4B-E679-3728-0DEFBB0263D7}"/>
               </a:ext>
             </a:extLst>
           </p:cNvPr>
@@ -1169,7 +1169,7 @@
           <p:cNvPr id="6" name="灯片编号占位符 5">
             <a:extLst>
               <a:ext uri="{FF2B5EF4-FFF2-40B4-BE49-F238E27FC236}">
-                <a16:creationId xmlns:a16="http://schemas.microsoft.com/office/drawing/2014/main" id="{84D5112D-F671-3AFF-00C9-C43238C8CA85}"/>
+                <a16:creationId xmlns:a16="http://schemas.microsoft.com/office/drawing/2014/main" id="{C383A70E-EE6C-1B3A-0187-E70F66B2000C}"/>
               </a:ext>
             </a:extLst>
           </p:cNvPr>
@@ -1185,7 +1185,7 @@
           <a:bodyPr/>
           <a:lstStyle/>
           <a:p>
-            <a:fld id="{3C972DEA-8A1E-4794-B006-C951C38B9181}" type="slidenum">
+            <a:fld id="{B96FC7E1-2CA7-4C2F-BC54-1EEB73054C58}" type="slidenum">
               <a:rPr lang="zh-CN" altLang="en-US" smtClean="0"/>
               <a:t>‹#›</a:t>
             </a:fld>
@@ -1196,7 +1196,7 @@
     </p:spTree>
     <p:extLst>
       <p:ext uri="{BB962C8B-B14F-4D97-AF65-F5344CB8AC3E}">
-        <p14:creationId xmlns:p14="http://schemas.microsoft.com/office/powerpoint/2010/main" val="202031388"/>
+        <p14:creationId xmlns:p14="http://schemas.microsoft.com/office/powerpoint/2010/main" val="1915179272"/>
       </p:ext>
     </p:extLst>
   </p:cSld>
@@ -1228,7 +1228,7 @@
           <p:cNvPr id="2" name="标题 1">
             <a:extLst>
               <a:ext uri="{FF2B5EF4-FFF2-40B4-BE49-F238E27FC236}">
-                <a16:creationId xmlns:a16="http://schemas.microsoft.com/office/drawing/2014/main" id="{3EDB0736-E24E-9F87-07AE-6FCA2EAE9ED6}"/>
+                <a16:creationId xmlns:a16="http://schemas.microsoft.com/office/drawing/2014/main" id="{3A3E77DC-7010-BF3D-B757-E96AD92904A4}"/>
               </a:ext>
             </a:extLst>
           </p:cNvPr>
@@ -1256,7 +1256,7 @@
           <p:cNvPr id="3" name="内容占位符 2">
             <a:extLst>
               <a:ext uri="{FF2B5EF4-FFF2-40B4-BE49-F238E27FC236}">
-                <a16:creationId xmlns:a16="http://schemas.microsoft.com/office/drawing/2014/main" id="{FE4BD370-E4B5-6DC6-B410-628027589B1B}"/>
+                <a16:creationId xmlns:a16="http://schemas.microsoft.com/office/drawing/2014/main" id="{8D4E1B76-C78B-2C3F-C834-95E8BAF7A297}"/>
               </a:ext>
             </a:extLst>
           </p:cNvPr>
@@ -1318,7 +1318,7 @@
           <p:cNvPr id="4" name="内容占位符 3">
             <a:extLst>
               <a:ext uri="{FF2B5EF4-FFF2-40B4-BE49-F238E27FC236}">
-                <a16:creationId xmlns:a16="http://schemas.microsoft.com/office/drawing/2014/main" id="{0EDCFCFA-2EA1-F911-56D6-A7EF1240A068}"/>
+                <a16:creationId xmlns:a16="http://schemas.microsoft.com/office/drawing/2014/main" id="{7B38B2A8-B444-57C2-94A2-6D81EF5DCFB6}"/>
               </a:ext>
             </a:extLst>
           </p:cNvPr>
@@ -1380,7 +1380,7 @@
           <p:cNvPr id="5" name="日期占位符 4">
             <a:extLst>
               <a:ext uri="{FF2B5EF4-FFF2-40B4-BE49-F238E27FC236}">
-                <a16:creationId xmlns:a16="http://schemas.microsoft.com/office/drawing/2014/main" id="{1BA7A2E0-F04B-F8DA-8BE6-4FC03CE47DA5}"/>
+                <a16:creationId xmlns:a16="http://schemas.microsoft.com/office/drawing/2014/main" id="{88226B7A-C5FC-83E0-4ECE-9B517840E4E2}"/>
               </a:ext>
             </a:extLst>
           </p:cNvPr>
@@ -1396,7 +1396,7 @@
           <a:bodyPr/>
           <a:lstStyle/>
           <a:p>
-            <a:fld id="{52C3D8F4-45A5-44D9-BFFE-F6E3B931A55D}" type="datetimeFigureOut">
+            <a:fld id="{7D78CAB6-4C31-4762-8AB1-58B791739B6F}" type="datetimeFigureOut">
               <a:rPr lang="zh-CN" altLang="en-US" smtClean="0"/>
               <a:t>2024/3/10</a:t>
             </a:fld>
@@ -1409,7 +1409,7 @@
           <p:cNvPr id="6" name="页脚占位符 5">
             <a:extLst>
               <a:ext uri="{FF2B5EF4-FFF2-40B4-BE49-F238E27FC236}">
-                <a16:creationId xmlns:a16="http://schemas.microsoft.com/office/drawing/2014/main" id="{5CFDA9A8-842E-835A-9D11-BD7CF35F4E99}"/>
+                <a16:creationId xmlns:a16="http://schemas.microsoft.com/office/drawing/2014/main" id="{C5617817-C639-06D3-1FC7-B7703A1D30A3}"/>
               </a:ext>
             </a:extLst>
           </p:cNvPr>
@@ -1434,7 +1434,7 @@
           <p:cNvPr id="7" name="灯片编号占位符 6">
             <a:extLst>
               <a:ext uri="{FF2B5EF4-FFF2-40B4-BE49-F238E27FC236}">
-                <a16:creationId xmlns:a16="http://schemas.microsoft.com/office/drawing/2014/main" id="{83B171BF-10D9-E1DA-EFC6-C114C45E3463}"/>
+                <a16:creationId xmlns:a16="http://schemas.microsoft.com/office/drawing/2014/main" id="{9E97E264-9F4A-3246-61D2-B216A1EFD3D0}"/>
               </a:ext>
             </a:extLst>
           </p:cNvPr>
@@ -1450,7 +1450,7 @@
           <a:bodyPr/>
           <a:lstStyle/>
           <a:p>
-            <a:fld id="{3C972DEA-8A1E-4794-B006-C951C38B9181}" type="slidenum">
+            <a:fld id="{B96FC7E1-2CA7-4C2F-BC54-1EEB73054C58}" type="slidenum">
               <a:rPr lang="zh-CN" altLang="en-US" smtClean="0"/>
               <a:t>‹#›</a:t>
             </a:fld>
@@ -1461,7 +1461,7 @@
     </p:spTree>
     <p:extLst>
       <p:ext uri="{BB962C8B-B14F-4D97-AF65-F5344CB8AC3E}">
-        <p14:creationId xmlns:p14="http://schemas.microsoft.com/office/powerpoint/2010/main" val="3747769469"/>
+        <p14:creationId xmlns:p14="http://schemas.microsoft.com/office/powerpoint/2010/main" val="753739248"/>
       </p:ext>
     </p:extLst>
   </p:cSld>
@@ -1493,7 +1493,7 @@
           <p:cNvPr id="2" name="标题 1">
             <a:extLst>
               <a:ext uri="{FF2B5EF4-FFF2-40B4-BE49-F238E27FC236}">
-                <a16:creationId xmlns:a16="http://schemas.microsoft.com/office/drawing/2014/main" id="{B9FE3533-5709-8D7B-E30F-6F4A5BCC9D50}"/>
+                <a16:creationId xmlns:a16="http://schemas.microsoft.com/office/drawing/2014/main" id="{2A3DB038-070C-0FE0-34DA-1287923FECC6}"/>
               </a:ext>
             </a:extLst>
           </p:cNvPr>
@@ -1526,7 +1526,7 @@
           <p:cNvPr id="3" name="文本占位符 2">
             <a:extLst>
               <a:ext uri="{FF2B5EF4-FFF2-40B4-BE49-F238E27FC236}">
-                <a16:creationId xmlns:a16="http://schemas.microsoft.com/office/drawing/2014/main" id="{114FE3F0-4C13-8EF6-08DA-3B68C6D34A25}"/>
+                <a16:creationId xmlns:a16="http://schemas.microsoft.com/office/drawing/2014/main" id="{EF658679-D000-3175-F51D-C55342FBF1F1}"/>
               </a:ext>
             </a:extLst>
           </p:cNvPr>
@@ -1597,7 +1597,7 @@
           <p:cNvPr id="4" name="内容占位符 3">
             <a:extLst>
               <a:ext uri="{FF2B5EF4-FFF2-40B4-BE49-F238E27FC236}">
-                <a16:creationId xmlns:a16="http://schemas.microsoft.com/office/drawing/2014/main" id="{17AE628D-6C5D-B5DE-9738-5251F964BEF1}"/>
+                <a16:creationId xmlns:a16="http://schemas.microsoft.com/office/drawing/2014/main" id="{56A9FABB-AAD4-CBDF-E1AE-A1D2F72E4217}"/>
               </a:ext>
             </a:extLst>
           </p:cNvPr>
@@ -1659,7 +1659,7 @@
           <p:cNvPr id="5" name="文本占位符 4">
             <a:extLst>
               <a:ext uri="{FF2B5EF4-FFF2-40B4-BE49-F238E27FC236}">
-                <a16:creationId xmlns:a16="http://schemas.microsoft.com/office/drawing/2014/main" id="{96A00B96-7CDA-FBCC-6582-006B269EEB45}"/>
+                <a16:creationId xmlns:a16="http://schemas.microsoft.com/office/drawing/2014/main" id="{F2E555D4-9820-9DCE-267C-B9EC5D3A1068}"/>
               </a:ext>
             </a:extLst>
           </p:cNvPr>
@@ -1730,7 +1730,7 @@
           <p:cNvPr id="6" name="内容占位符 5">
             <a:extLst>
               <a:ext uri="{FF2B5EF4-FFF2-40B4-BE49-F238E27FC236}">
-                <a16:creationId xmlns:a16="http://schemas.microsoft.com/office/drawing/2014/main" id="{A75D6A1F-AC4F-8044-CCA5-CF69459CB5DA}"/>
+                <a16:creationId xmlns:a16="http://schemas.microsoft.com/office/drawing/2014/main" id="{D9BDF196-3FA1-B06F-2D99-103CEAE97B9C}"/>
               </a:ext>
             </a:extLst>
           </p:cNvPr>
@@ -1792,7 +1792,7 @@
           <p:cNvPr id="7" name="日期占位符 6">
             <a:extLst>
               <a:ext uri="{FF2B5EF4-FFF2-40B4-BE49-F238E27FC236}">
-                <a16:creationId xmlns:a16="http://schemas.microsoft.com/office/drawing/2014/main" id="{1CFFDD81-FBB4-12BE-8265-F38B8B20235B}"/>
+                <a16:creationId xmlns:a16="http://schemas.microsoft.com/office/drawing/2014/main" id="{3CB789C9-9421-A696-96C3-78EB3651EFED}"/>
               </a:ext>
             </a:extLst>
           </p:cNvPr>
@@ -1808,7 +1808,7 @@
           <a:bodyPr/>
           <a:lstStyle/>
           <a:p>
-            <a:fld id="{52C3D8F4-45A5-44D9-BFFE-F6E3B931A55D}" type="datetimeFigureOut">
+            <a:fld id="{7D78CAB6-4C31-4762-8AB1-58B791739B6F}" type="datetimeFigureOut">
               <a:rPr lang="zh-CN" altLang="en-US" smtClean="0"/>
               <a:t>2024/3/10</a:t>
             </a:fld>
@@ -1821,7 +1821,7 @@
           <p:cNvPr id="8" name="页脚占位符 7">
             <a:extLst>
               <a:ext uri="{FF2B5EF4-FFF2-40B4-BE49-F238E27FC236}">
-                <a16:creationId xmlns:a16="http://schemas.microsoft.com/office/drawing/2014/main" id="{0A2C648E-7531-2D4B-4C11-929DFBF84FB4}"/>
+                <a16:creationId xmlns:a16="http://schemas.microsoft.com/office/drawing/2014/main" id="{C14539E8-8922-AE4D-36FE-7F811EC9C244}"/>
               </a:ext>
             </a:extLst>
           </p:cNvPr>
@@ -1846,7 +1846,7 @@
           <p:cNvPr id="9" name="灯片编号占位符 8">
             <a:extLst>
               <a:ext uri="{FF2B5EF4-FFF2-40B4-BE49-F238E27FC236}">
-                <a16:creationId xmlns:a16="http://schemas.microsoft.com/office/drawing/2014/main" id="{9AC6656B-60A9-E738-68DD-5BEDB990DBB0}"/>
+                <a16:creationId xmlns:a16="http://schemas.microsoft.com/office/drawing/2014/main" id="{DF63AEAC-8D4E-594D-DB75-FC9FEB7F5CED}"/>
               </a:ext>
             </a:extLst>
           </p:cNvPr>
@@ -1862,7 +1862,7 @@
           <a:bodyPr/>
           <a:lstStyle/>
           <a:p>
-            <a:fld id="{3C972DEA-8A1E-4794-B006-C951C38B9181}" type="slidenum">
+            <a:fld id="{B96FC7E1-2CA7-4C2F-BC54-1EEB73054C58}" type="slidenum">
               <a:rPr lang="zh-CN" altLang="en-US" smtClean="0"/>
               <a:t>‹#›</a:t>
             </a:fld>
@@ -1873,7 +1873,7 @@
     </p:spTree>
     <p:extLst>
       <p:ext uri="{BB962C8B-B14F-4D97-AF65-F5344CB8AC3E}">
-        <p14:creationId xmlns:p14="http://schemas.microsoft.com/office/powerpoint/2010/main" val="2669413943"/>
+        <p14:creationId xmlns:p14="http://schemas.microsoft.com/office/powerpoint/2010/main" val="189704970"/>
       </p:ext>
     </p:extLst>
   </p:cSld>
@@ -1905,7 +1905,7 @@
           <p:cNvPr id="2" name="标题 1">
             <a:extLst>
               <a:ext uri="{FF2B5EF4-FFF2-40B4-BE49-F238E27FC236}">
-                <a16:creationId xmlns:a16="http://schemas.microsoft.com/office/drawing/2014/main" id="{70E351BE-F45D-0568-C1AA-321AC73A3DD8}"/>
+                <a16:creationId xmlns:a16="http://schemas.microsoft.com/office/drawing/2014/main" id="{E855ED73-D2FE-2686-FDEA-4D2EDC282065}"/>
               </a:ext>
             </a:extLst>
           </p:cNvPr>
@@ -1933,7 +1933,7 @@
           <p:cNvPr id="3" name="日期占位符 2">
             <a:extLst>
               <a:ext uri="{FF2B5EF4-FFF2-40B4-BE49-F238E27FC236}">
-                <a16:creationId xmlns:a16="http://schemas.microsoft.com/office/drawing/2014/main" id="{A2C38192-F1FF-24A5-A036-D9768DE7E5F6}"/>
+                <a16:creationId xmlns:a16="http://schemas.microsoft.com/office/drawing/2014/main" id="{0DEC7CF9-E850-959E-EBE2-09FE6AA573B5}"/>
               </a:ext>
             </a:extLst>
           </p:cNvPr>
@@ -1949,7 +1949,7 @@
           <a:bodyPr/>
           <a:lstStyle/>
           <a:p>
-            <a:fld id="{52C3D8F4-45A5-44D9-BFFE-F6E3B931A55D}" type="datetimeFigureOut">
+            <a:fld id="{7D78CAB6-4C31-4762-8AB1-58B791739B6F}" type="datetimeFigureOut">
               <a:rPr lang="zh-CN" altLang="en-US" smtClean="0"/>
               <a:t>2024/3/10</a:t>
             </a:fld>
@@ -1962,7 +1962,7 @@
           <p:cNvPr id="4" name="页脚占位符 3">
             <a:extLst>
               <a:ext uri="{FF2B5EF4-FFF2-40B4-BE49-F238E27FC236}">
-                <a16:creationId xmlns:a16="http://schemas.microsoft.com/office/drawing/2014/main" id="{1E413720-BDED-CC38-38BE-EA05CFA9BFA8}"/>
+                <a16:creationId xmlns:a16="http://schemas.microsoft.com/office/drawing/2014/main" id="{CD021C19-83C2-8781-ECE3-581331B5E863}"/>
               </a:ext>
             </a:extLst>
           </p:cNvPr>
@@ -1987,7 +1987,7 @@
           <p:cNvPr id="5" name="灯片编号占位符 4">
             <a:extLst>
               <a:ext uri="{FF2B5EF4-FFF2-40B4-BE49-F238E27FC236}">
-                <a16:creationId xmlns:a16="http://schemas.microsoft.com/office/drawing/2014/main" id="{D77004CC-38A8-A84C-CF46-6711A54CF147}"/>
+                <a16:creationId xmlns:a16="http://schemas.microsoft.com/office/drawing/2014/main" id="{2E7E781F-EB78-12E8-83E6-05FAA8562730}"/>
               </a:ext>
             </a:extLst>
           </p:cNvPr>
@@ -2003,7 +2003,7 @@
           <a:bodyPr/>
           <a:lstStyle/>
           <a:p>
-            <a:fld id="{3C972DEA-8A1E-4794-B006-C951C38B9181}" type="slidenum">
+            <a:fld id="{B96FC7E1-2CA7-4C2F-BC54-1EEB73054C58}" type="slidenum">
               <a:rPr lang="zh-CN" altLang="en-US" smtClean="0"/>
               <a:t>‹#›</a:t>
             </a:fld>
@@ -2014,7 +2014,7 @@
     </p:spTree>
     <p:extLst>
       <p:ext uri="{BB962C8B-B14F-4D97-AF65-F5344CB8AC3E}">
-        <p14:creationId xmlns:p14="http://schemas.microsoft.com/office/powerpoint/2010/main" val="2616002413"/>
+        <p14:creationId xmlns:p14="http://schemas.microsoft.com/office/powerpoint/2010/main" val="3462162769"/>
       </p:ext>
     </p:extLst>
   </p:cSld>
@@ -2046,7 +2046,7 @@
           <p:cNvPr id="2" name="日期占位符 1">
             <a:extLst>
               <a:ext uri="{FF2B5EF4-FFF2-40B4-BE49-F238E27FC236}">
-                <a16:creationId xmlns:a16="http://schemas.microsoft.com/office/drawing/2014/main" id="{0B57DAE2-C07E-0D2E-5A59-B444131160B5}"/>
+                <a16:creationId xmlns:a16="http://schemas.microsoft.com/office/drawing/2014/main" id="{3A9DEC01-62F2-7BA7-574F-C4032E3F0A29}"/>
               </a:ext>
             </a:extLst>
           </p:cNvPr>
@@ -2062,7 +2062,7 @@
           <a:bodyPr/>
           <a:lstStyle/>
           <a:p>
-            <a:fld id="{52C3D8F4-45A5-44D9-BFFE-F6E3B931A55D}" type="datetimeFigureOut">
+            <a:fld id="{7D78CAB6-4C31-4762-8AB1-58B791739B6F}" type="datetimeFigureOut">
               <a:rPr lang="zh-CN" altLang="en-US" smtClean="0"/>
               <a:t>2024/3/10</a:t>
             </a:fld>
@@ -2075,7 +2075,7 @@
           <p:cNvPr id="3" name="页脚占位符 2">
             <a:extLst>
               <a:ext uri="{FF2B5EF4-FFF2-40B4-BE49-F238E27FC236}">
-                <a16:creationId xmlns:a16="http://schemas.microsoft.com/office/drawing/2014/main" id="{D34DD925-4FF7-E163-79AB-EC1EB5A50D60}"/>
+                <a16:creationId xmlns:a16="http://schemas.microsoft.com/office/drawing/2014/main" id="{A9CFEC6D-4F77-3A09-4560-550A4FDCB8E8}"/>
               </a:ext>
             </a:extLst>
           </p:cNvPr>
@@ -2100,7 +2100,7 @@
           <p:cNvPr id="4" name="灯片编号占位符 3">
             <a:extLst>
               <a:ext uri="{FF2B5EF4-FFF2-40B4-BE49-F238E27FC236}">
-                <a16:creationId xmlns:a16="http://schemas.microsoft.com/office/drawing/2014/main" id="{3F53BDD6-017A-C325-0180-716C064B92E3}"/>
+                <a16:creationId xmlns:a16="http://schemas.microsoft.com/office/drawing/2014/main" id="{F1880D93-232A-6C15-11A6-675C9DA7801D}"/>
               </a:ext>
             </a:extLst>
           </p:cNvPr>
@@ -2116,7 +2116,7 @@
           <a:bodyPr/>
           <a:lstStyle/>
           <a:p>
-            <a:fld id="{3C972DEA-8A1E-4794-B006-C951C38B9181}" type="slidenum">
+            <a:fld id="{B96FC7E1-2CA7-4C2F-BC54-1EEB73054C58}" type="slidenum">
               <a:rPr lang="zh-CN" altLang="en-US" smtClean="0"/>
               <a:t>‹#›</a:t>
             </a:fld>
@@ -2127,7 +2127,7 @@
     </p:spTree>
     <p:extLst>
       <p:ext uri="{BB962C8B-B14F-4D97-AF65-F5344CB8AC3E}">
-        <p14:creationId xmlns:p14="http://schemas.microsoft.com/office/powerpoint/2010/main" val="1983205805"/>
+        <p14:creationId xmlns:p14="http://schemas.microsoft.com/office/powerpoint/2010/main" val="3895799624"/>
       </p:ext>
     </p:extLst>
   </p:cSld>
@@ -2159,7 +2159,7 @@
           <p:cNvPr id="2" name="标题 1">
             <a:extLst>
               <a:ext uri="{FF2B5EF4-FFF2-40B4-BE49-F238E27FC236}">
-                <a16:creationId xmlns:a16="http://schemas.microsoft.com/office/drawing/2014/main" id="{8C684E80-CD51-CD2A-04C8-CD7A2EE846E1}"/>
+                <a16:creationId xmlns:a16="http://schemas.microsoft.com/office/drawing/2014/main" id="{4C5AA5C4-5F7B-F6DB-9343-884F2445876F}"/>
               </a:ext>
             </a:extLst>
           </p:cNvPr>
@@ -2196,7 +2196,7 @@
           <p:cNvPr id="3" name="内容占位符 2">
             <a:extLst>
               <a:ext uri="{FF2B5EF4-FFF2-40B4-BE49-F238E27FC236}">
-                <a16:creationId xmlns:a16="http://schemas.microsoft.com/office/drawing/2014/main" id="{FF018942-1EF7-71E2-C477-93D1F10C1276}"/>
+                <a16:creationId xmlns:a16="http://schemas.microsoft.com/office/drawing/2014/main" id="{8B183D5E-3F6E-4C57-EEC1-4D65E58E7C12}"/>
               </a:ext>
             </a:extLst>
           </p:cNvPr>
@@ -2286,7 +2286,7 @@
           <p:cNvPr id="4" name="文本占位符 3">
             <a:extLst>
               <a:ext uri="{FF2B5EF4-FFF2-40B4-BE49-F238E27FC236}">
-                <a16:creationId xmlns:a16="http://schemas.microsoft.com/office/drawing/2014/main" id="{62646B13-DCFF-0CEF-911F-7D63C8C0D8D2}"/>
+                <a16:creationId xmlns:a16="http://schemas.microsoft.com/office/drawing/2014/main" id="{DA1C7565-2523-1CEF-A3DA-4C5D3D71B387}"/>
               </a:ext>
             </a:extLst>
           </p:cNvPr>
@@ -2357,7 +2357,7 @@
           <p:cNvPr id="5" name="日期占位符 4">
             <a:extLst>
               <a:ext uri="{FF2B5EF4-FFF2-40B4-BE49-F238E27FC236}">
-                <a16:creationId xmlns:a16="http://schemas.microsoft.com/office/drawing/2014/main" id="{BEAFD665-CC21-F52C-9B5D-AAFB3E861E64}"/>
+                <a16:creationId xmlns:a16="http://schemas.microsoft.com/office/drawing/2014/main" id="{08917E95-8A4D-7E09-73BF-81597E6BF844}"/>
               </a:ext>
             </a:extLst>
           </p:cNvPr>
@@ -2373,7 +2373,7 @@
           <a:bodyPr/>
           <a:lstStyle/>
           <a:p>
-            <a:fld id="{52C3D8F4-45A5-44D9-BFFE-F6E3B931A55D}" type="datetimeFigureOut">
+            <a:fld id="{7D78CAB6-4C31-4762-8AB1-58B791739B6F}" type="datetimeFigureOut">
               <a:rPr lang="zh-CN" altLang="en-US" smtClean="0"/>
               <a:t>2024/3/10</a:t>
             </a:fld>
@@ -2386,7 +2386,7 @@
           <p:cNvPr id="6" name="页脚占位符 5">
             <a:extLst>
               <a:ext uri="{FF2B5EF4-FFF2-40B4-BE49-F238E27FC236}">
-                <a16:creationId xmlns:a16="http://schemas.microsoft.com/office/drawing/2014/main" id="{D8EA426D-3C64-D795-267B-BDE3D2284734}"/>
+                <a16:creationId xmlns:a16="http://schemas.microsoft.com/office/drawing/2014/main" id="{FB60A668-FB2A-8C71-0A3E-C70761AACDAD}"/>
               </a:ext>
             </a:extLst>
           </p:cNvPr>
@@ -2411,7 +2411,7 @@
           <p:cNvPr id="7" name="灯片编号占位符 6">
             <a:extLst>
               <a:ext uri="{FF2B5EF4-FFF2-40B4-BE49-F238E27FC236}">
-                <a16:creationId xmlns:a16="http://schemas.microsoft.com/office/drawing/2014/main" id="{8C2D3AA2-8E38-20C1-4661-E96D277FBCBD}"/>
+                <a16:creationId xmlns:a16="http://schemas.microsoft.com/office/drawing/2014/main" id="{086EAA3E-E29D-0398-6AE3-E08FEBED861B}"/>
               </a:ext>
             </a:extLst>
           </p:cNvPr>
@@ -2427,7 +2427,7 @@
           <a:bodyPr/>
           <a:lstStyle/>
           <a:p>
-            <a:fld id="{3C972DEA-8A1E-4794-B006-C951C38B9181}" type="slidenum">
+            <a:fld id="{B96FC7E1-2CA7-4C2F-BC54-1EEB73054C58}" type="slidenum">
               <a:rPr lang="zh-CN" altLang="en-US" smtClean="0"/>
               <a:t>‹#›</a:t>
             </a:fld>
@@ -2438,7 +2438,7 @@
     </p:spTree>
     <p:extLst>
       <p:ext uri="{BB962C8B-B14F-4D97-AF65-F5344CB8AC3E}">
-        <p14:creationId xmlns:p14="http://schemas.microsoft.com/office/powerpoint/2010/main" val="2910603234"/>
+        <p14:creationId xmlns:p14="http://schemas.microsoft.com/office/powerpoint/2010/main" val="75055898"/>
       </p:ext>
     </p:extLst>
   </p:cSld>
@@ -2470,7 +2470,7 @@
           <p:cNvPr id="2" name="标题 1">
             <a:extLst>
               <a:ext uri="{FF2B5EF4-FFF2-40B4-BE49-F238E27FC236}">
-                <a16:creationId xmlns:a16="http://schemas.microsoft.com/office/drawing/2014/main" id="{37F5CBC9-0B09-0068-C45B-2C62CF4A508B}"/>
+                <a16:creationId xmlns:a16="http://schemas.microsoft.com/office/drawing/2014/main" id="{5DB2DE93-E528-2F25-AF66-4E8910504291}"/>
               </a:ext>
             </a:extLst>
           </p:cNvPr>
@@ -2507,7 +2507,7 @@
           <p:cNvPr id="3" name="图片占位符 2">
             <a:extLst>
               <a:ext uri="{FF2B5EF4-FFF2-40B4-BE49-F238E27FC236}">
-                <a16:creationId xmlns:a16="http://schemas.microsoft.com/office/drawing/2014/main" id="{33BDB51C-34EF-C96F-1C03-3362505E8F17}"/>
+                <a16:creationId xmlns:a16="http://schemas.microsoft.com/office/drawing/2014/main" id="{1C7B402D-7C07-3E88-9DC1-BE9DBCD18459}"/>
               </a:ext>
             </a:extLst>
           </p:cNvPr>
@@ -2574,7 +2574,7 @@
           <p:cNvPr id="4" name="文本占位符 3">
             <a:extLst>
               <a:ext uri="{FF2B5EF4-FFF2-40B4-BE49-F238E27FC236}">
-                <a16:creationId xmlns:a16="http://schemas.microsoft.com/office/drawing/2014/main" id="{D9CF5236-759C-097A-7E22-919098824C5E}"/>
+                <a16:creationId xmlns:a16="http://schemas.microsoft.com/office/drawing/2014/main" id="{7223051F-7AB5-183F-FE97-C763A9613452}"/>
               </a:ext>
             </a:extLst>
           </p:cNvPr>
@@ -2645,7 +2645,7 @@
           <p:cNvPr id="5" name="日期占位符 4">
             <a:extLst>
               <a:ext uri="{FF2B5EF4-FFF2-40B4-BE49-F238E27FC236}">
-                <a16:creationId xmlns:a16="http://schemas.microsoft.com/office/drawing/2014/main" id="{E4F1EE00-F3C7-3224-E354-B4CE08F88205}"/>
+                <a16:creationId xmlns:a16="http://schemas.microsoft.com/office/drawing/2014/main" id="{6278AD23-8DEC-F494-4F63-137FD82BB57B}"/>
               </a:ext>
             </a:extLst>
           </p:cNvPr>
@@ -2661,7 +2661,7 @@
           <a:bodyPr/>
           <a:lstStyle/>
           <a:p>
-            <a:fld id="{52C3D8F4-45A5-44D9-BFFE-F6E3B931A55D}" type="datetimeFigureOut">
+            <a:fld id="{7D78CAB6-4C31-4762-8AB1-58B791739B6F}" type="datetimeFigureOut">
               <a:rPr lang="zh-CN" altLang="en-US" smtClean="0"/>
               <a:t>2024/3/10</a:t>
             </a:fld>
@@ -2674,7 +2674,7 @@
           <p:cNvPr id="6" name="页脚占位符 5">
             <a:extLst>
               <a:ext uri="{FF2B5EF4-FFF2-40B4-BE49-F238E27FC236}">
-                <a16:creationId xmlns:a16="http://schemas.microsoft.com/office/drawing/2014/main" id="{D30AD3F0-3314-5959-1C7F-ABC95DB1229F}"/>
+                <a16:creationId xmlns:a16="http://schemas.microsoft.com/office/drawing/2014/main" id="{9F87263E-2203-CA0F-5CA1-47C84D9E88CC}"/>
               </a:ext>
             </a:extLst>
           </p:cNvPr>
@@ -2699,7 +2699,7 @@
           <p:cNvPr id="7" name="灯片编号占位符 6">
             <a:extLst>
               <a:ext uri="{FF2B5EF4-FFF2-40B4-BE49-F238E27FC236}">
-                <a16:creationId xmlns:a16="http://schemas.microsoft.com/office/drawing/2014/main" id="{F4ABFA66-589F-E9B0-9DE4-37E55FFB92C2}"/>
+                <a16:creationId xmlns:a16="http://schemas.microsoft.com/office/drawing/2014/main" id="{0FCF9AA9-E43E-06D8-2F45-A98F6EBD4115}"/>
               </a:ext>
             </a:extLst>
           </p:cNvPr>
@@ -2715,7 +2715,7 @@
           <a:bodyPr/>
           <a:lstStyle/>
           <a:p>
-            <a:fld id="{3C972DEA-8A1E-4794-B006-C951C38B9181}" type="slidenum">
+            <a:fld id="{B96FC7E1-2CA7-4C2F-BC54-1EEB73054C58}" type="slidenum">
               <a:rPr lang="zh-CN" altLang="en-US" smtClean="0"/>
               <a:t>‹#›</a:t>
             </a:fld>
@@ -2726,7 +2726,7 @@
     </p:spTree>
     <p:extLst>
       <p:ext uri="{BB962C8B-B14F-4D97-AF65-F5344CB8AC3E}">
-        <p14:creationId xmlns:p14="http://schemas.microsoft.com/office/powerpoint/2010/main" val="842151796"/>
+        <p14:creationId xmlns:p14="http://schemas.microsoft.com/office/powerpoint/2010/main" val="3699152548"/>
       </p:ext>
     </p:extLst>
   </p:cSld>
@@ -2763,7 +2763,7 @@
           <p:cNvPr id="2" name="标题占位符 1">
             <a:extLst>
               <a:ext uri="{FF2B5EF4-FFF2-40B4-BE49-F238E27FC236}">
-                <a16:creationId xmlns:a16="http://schemas.microsoft.com/office/drawing/2014/main" id="{500C791B-B1C2-C2B4-70F7-B242998840A7}"/>
+                <a16:creationId xmlns:a16="http://schemas.microsoft.com/office/drawing/2014/main" id="{496BA5F1-46EE-1964-A11A-74E4707E3BF3}"/>
               </a:ext>
             </a:extLst>
           </p:cNvPr>
@@ -2801,7 +2801,7 @@
           <p:cNvPr id="3" name="文本占位符 2">
             <a:extLst>
               <a:ext uri="{FF2B5EF4-FFF2-40B4-BE49-F238E27FC236}">
-                <a16:creationId xmlns:a16="http://schemas.microsoft.com/office/drawing/2014/main" id="{526D4BF2-D0AD-B309-8D13-B044AA684683}"/>
+                <a16:creationId xmlns:a16="http://schemas.microsoft.com/office/drawing/2014/main" id="{48FA4495-9572-9EB3-5856-7C55F146DA65}"/>
               </a:ext>
             </a:extLst>
           </p:cNvPr>
@@ -2868,7 +2868,7 @@
           <p:cNvPr id="4" name="日期占位符 3">
             <a:extLst>
               <a:ext uri="{FF2B5EF4-FFF2-40B4-BE49-F238E27FC236}">
-                <a16:creationId xmlns:a16="http://schemas.microsoft.com/office/drawing/2014/main" id="{2F244D08-4FDC-D287-B98A-2E1078DD9AA5}"/>
+                <a16:creationId xmlns:a16="http://schemas.microsoft.com/office/drawing/2014/main" id="{309210FE-981D-43B4-7155-BBD77DBA5152}"/>
               </a:ext>
             </a:extLst>
           </p:cNvPr>
@@ -2902,7 +2902,7 @@
             </a:lvl1pPr>
           </a:lstStyle>
           <a:p>
-            <a:fld id="{52C3D8F4-45A5-44D9-BFFE-F6E3B931A55D}" type="datetimeFigureOut">
+            <a:fld id="{7D78CAB6-4C31-4762-8AB1-58B791739B6F}" type="datetimeFigureOut">
               <a:rPr lang="zh-CN" altLang="en-US" smtClean="0"/>
               <a:t>2024/3/10</a:t>
             </a:fld>
@@ -2915,7 +2915,7 @@
           <p:cNvPr id="5" name="页脚占位符 4">
             <a:extLst>
               <a:ext uri="{FF2B5EF4-FFF2-40B4-BE49-F238E27FC236}">
-                <a16:creationId xmlns:a16="http://schemas.microsoft.com/office/drawing/2014/main" id="{4985F7D4-8B1A-5056-4E5E-9641E9C6D115}"/>
+                <a16:creationId xmlns:a16="http://schemas.microsoft.com/office/drawing/2014/main" id="{66B34678-CBEE-C2C7-A461-0F8F41D266C9}"/>
               </a:ext>
             </a:extLst>
           </p:cNvPr>
@@ -2958,7 +2958,7 @@
           <p:cNvPr id="6" name="灯片编号占位符 5">
             <a:extLst>
               <a:ext uri="{FF2B5EF4-FFF2-40B4-BE49-F238E27FC236}">
-                <a16:creationId xmlns:a16="http://schemas.microsoft.com/office/drawing/2014/main" id="{0B3E1E35-B324-858D-19B1-8A52ED728B81}"/>
+                <a16:creationId xmlns:a16="http://schemas.microsoft.com/office/drawing/2014/main" id="{1C39CB57-3437-801F-C6A1-2CDCA4A78C73}"/>
               </a:ext>
             </a:extLst>
           </p:cNvPr>
@@ -2992,7 +2992,7 @@
             </a:lvl1pPr>
           </a:lstStyle>
           <a:p>
-            <a:fld id="{3C972DEA-8A1E-4794-B006-C951C38B9181}" type="slidenum">
+            <a:fld id="{B96FC7E1-2CA7-4C2F-BC54-1EEB73054C58}" type="slidenum">
               <a:rPr lang="zh-CN" altLang="en-US" smtClean="0"/>
               <a:t>‹#›</a:t>
             </a:fld>
@@ -3003,7 +3003,7 @@
     </p:spTree>
     <p:extLst>
       <p:ext uri="{BB962C8B-B14F-4D97-AF65-F5344CB8AC3E}">
-        <p14:creationId xmlns:p14="http://schemas.microsoft.com/office/powerpoint/2010/main" val="267341990"/>
+        <p14:creationId xmlns:p14="http://schemas.microsoft.com/office/powerpoint/2010/main" val="393267124"/>
       </p:ext>
     </p:extLst>
   </p:cSld>
@@ -3323,7 +3323,7 @@
       </p:grpSpPr>
       <p:pic>
         <p:nvPicPr>
-          <p:cNvPr id="906242" name="Picture 2" descr="884"/>
+          <p:cNvPr id="907266" name="Picture 2" descr="885"/>
           <p:cNvPicPr>
             <a:picLocks noChangeAspect="1" noChangeArrowheads="1"/>
           </p:cNvPicPr>
